--- a/Счет Омера - Лестница личностного роста.pptx
+++ b/Счет Омера - Лестница личностного роста.pptx
@@ -5,22 +5,24 @@
     <p:sldMasterId id="2147483660" r:id="rId1"/>
   </p:sldMasterIdLst>
   <p:notesMasterIdLst>
-    <p:notesMasterId r:id="rId12"/>
+    <p:notesMasterId r:id="rId14"/>
   </p:notesMasterIdLst>
   <p:handoutMasterIdLst>
-    <p:handoutMasterId r:id="rId13"/>
+    <p:handoutMasterId r:id="rId15"/>
   </p:handoutMasterIdLst>
   <p:sldIdLst>
     <p:sldId id="264" r:id="rId2"/>
-    <p:sldId id="353" r:id="rId3"/>
-    <p:sldId id="356" r:id="rId4"/>
-    <p:sldId id="354" r:id="rId5"/>
-    <p:sldId id="342" r:id="rId6"/>
-    <p:sldId id="359" r:id="rId7"/>
-    <p:sldId id="358" r:id="rId8"/>
-    <p:sldId id="360" r:id="rId9"/>
-    <p:sldId id="362" r:id="rId10"/>
-    <p:sldId id="361" r:id="rId11"/>
+    <p:sldId id="363" r:id="rId3"/>
+    <p:sldId id="364" r:id="rId4"/>
+    <p:sldId id="353" r:id="rId5"/>
+    <p:sldId id="356" r:id="rId6"/>
+    <p:sldId id="354" r:id="rId7"/>
+    <p:sldId id="342" r:id="rId8"/>
+    <p:sldId id="359" r:id="rId9"/>
+    <p:sldId id="358" r:id="rId10"/>
+    <p:sldId id="360" r:id="rId11"/>
+    <p:sldId id="362" r:id="rId12"/>
+    <p:sldId id="361" r:id="rId13"/>
   </p:sldIdLst>
   <p:sldSz cx="12188825" cy="6858000"/>
   <p:notesSz cx="6858000" cy="9144000"/>
@@ -722,7 +724,7 @@
       </p:grpSpPr>
       <p:sp>
         <p:nvSpPr>
-          <p:cNvPr id="2" name="Slide Image Placeholder 1"/>
+          <p:cNvPr id="2" name="מציין מיקום של תמונת שקופית 1"/>
           <p:cNvSpPr>
             <a:spLocks noGrp="1" noRot="1" noChangeAspect="1"/>
           </p:cNvSpPr>
@@ -734,7 +736,7 @@
       </p:sp>
       <p:sp>
         <p:nvSpPr>
-          <p:cNvPr id="3" name="Notes Placeholder 2"/>
+          <p:cNvPr id="3" name="מציין מיקום של הערות 2"/>
           <p:cNvSpPr>
             <a:spLocks noGrp="1"/>
           </p:cNvSpPr>
@@ -747,40 +749,26 @@
           <a:bodyPr/>
           <a:lstStyle/>
           <a:p>
-            <a:pPr algn="r" rtl="1"/>
-            <a:r>
-              <a:rPr lang="he-IL" dirty="0"/>
-              <a:t>תעשיה.....</a:t>
-            </a:r>
-          </a:p>
-          <a:p>
-            <a:pPr algn="r" rtl="1"/>
-            <a:endParaRPr lang="he-IL" dirty="0"/>
-          </a:p>
-          <a:p>
-            <a:pPr algn="r" rtl="1"/>
-            <a:r>
-              <a:rPr lang="en-US" dirty="0"/>
-              <a:t>AI</a:t>
-            </a:r>
-            <a:r>
-              <a:rPr lang="he-IL" dirty="0"/>
-              <a:t> – חיפוש אחרי בן אדם</a:t>
-            </a:r>
-          </a:p>
-          <a:p>
-            <a:pPr algn="r" rtl="1"/>
-            <a:endParaRPr lang="he-IL" dirty="0"/>
-          </a:p>
-          <a:p>
-            <a:pPr algn="r" rtl="1"/>
-            <a:endParaRPr lang="he-IL" dirty="0"/>
-          </a:p>
-        </p:txBody>
-      </p:sp>
-      <p:sp>
-        <p:nvSpPr>
-          <p:cNvPr id="4" name="Slide Number Placeholder 3"/>
+            <a:r>
+              <a:rPr lang="ru-RU" dirty="0"/>
+              <a:t>Жил на свете плотник Шимон, строил замечательные дома, люди стояли к нему в очереди</a:t>
+            </a:r>
+          </a:p>
+          <a:p>
+            <a:endParaRPr lang="ru-RU" dirty="0"/>
+          </a:p>
+          <a:p>
+            <a:r>
+              <a:rPr lang="ru-RU" dirty="0"/>
+              <a:t>После </a:t>
+            </a:r>
+            <a:endParaRPr lang="en-IL" dirty="0"/>
+          </a:p>
+        </p:txBody>
+      </p:sp>
+      <p:sp>
+        <p:nvSpPr>
+          <p:cNvPr id="4" name="מציין מיקום של מספר שקופית 3"/>
           <p:cNvSpPr>
             <a:spLocks noGrp="1"/>
           </p:cNvSpPr>
@@ -794,18 +782,18 @@
           <a:lstStyle/>
           <a:p>
             <a:fld id="{B8796F01-7154-41E0-B48B-A6921757531A}" type="slidenum">
-              <a:rPr lang="en-US" smtClean="0"/>
+              <a:rPr lang="en-IL" smtClean="0"/>
               <a:pPr/>
               <a:t>2</a:t>
             </a:fld>
-            <a:endParaRPr lang="en-US"/>
+            <a:endParaRPr lang="en-IL"/>
           </a:p>
         </p:txBody>
       </p:sp>
     </p:spTree>
     <p:extLst>
       <p:ext uri="{BB962C8B-B14F-4D97-AF65-F5344CB8AC3E}">
-        <p14:creationId xmlns:p14="http://schemas.microsoft.com/office/powerpoint/2010/main" val="1054508575"/>
+        <p14:creationId xmlns:p14="http://schemas.microsoft.com/office/powerpoint/2010/main" val="3183911192"/>
       </p:ext>
     </p:extLst>
   </p:cSld>
@@ -859,48 +847,34 @@
           <a:bodyPr/>
           <a:lstStyle/>
           <a:p>
-            <a:r>
-              <a:rPr lang="ru-RU" dirty="0"/>
-              <a:t>1911 год, дело Менделя Бейлиса</a:t>
-            </a:r>
-          </a:p>
-          <a:p>
-            <a:r>
-              <a:rPr lang="ru-RU" dirty="0"/>
-              <a:t>Убийство христианского мальчика</a:t>
-            </a:r>
-          </a:p>
-          <a:p>
-            <a:endParaRPr lang="ru-RU" dirty="0"/>
-          </a:p>
-          <a:p>
-            <a:r>
-              <a:rPr lang="ru-RU" dirty="0"/>
-              <a:t>«Вы называетесь Адам, но идолополконники не называются Адам» (Баба-Мециа)</a:t>
-            </a:r>
-          </a:p>
-          <a:p>
-            <a:r>
-              <a:rPr lang="ru-RU" dirty="0"/>
-              <a:t>Адам – это термин который обоначает как единого человека так и общность людей. Евреи ощущают себя единым организмом. Когда Бейлиса обвиняют в убийстве говорят – евреи убили мальчика. Когда судят Бейиса, еврейский мир переживает в НЙ и Париже. В чем смысл? </a:t>
-            </a:r>
-            <a:endParaRPr lang="en-IL" dirty="0"/>
-          </a:p>
-          <a:p>
-            <a:endParaRPr lang="ru-RU" dirty="0"/>
-          </a:p>
-          <a:p>
-            <a:r>
-              <a:rPr lang="ru-RU" dirty="0"/>
-              <a:t>Адвокат Оскар Грузенберг</a:t>
-            </a:r>
-          </a:p>
-          <a:p>
-            <a:r>
-              <a:rPr lang="ru-RU" dirty="0"/>
-              <a:t>Ответ рава Меир Шапиро из Люблина</a:t>
-            </a:r>
-            <a:endParaRPr lang="en-IL" dirty="0"/>
+            <a:pPr algn="r" rtl="1"/>
+            <a:r>
+              <a:rPr lang="he-IL" dirty="0"/>
+              <a:t>תעשיה.....</a:t>
+            </a:r>
+          </a:p>
+          <a:p>
+            <a:pPr algn="r" rtl="1"/>
+            <a:endParaRPr lang="he-IL" dirty="0"/>
+          </a:p>
+          <a:p>
+            <a:pPr algn="r" rtl="1"/>
+            <a:r>
+              <a:rPr lang="en-US" dirty="0"/>
+              <a:t>AI</a:t>
+            </a:r>
+            <a:r>
+              <a:rPr lang="he-IL" dirty="0"/>
+              <a:t> – חיפוש אחרי בן אדם</a:t>
+            </a:r>
+          </a:p>
+          <a:p>
+            <a:pPr algn="r" rtl="1"/>
+            <a:endParaRPr lang="he-IL" dirty="0"/>
+          </a:p>
+          <a:p>
+            <a:pPr algn="r" rtl="1"/>
+            <a:endParaRPr lang="he-IL" dirty="0"/>
           </a:p>
         </p:txBody>
       </p:sp>
@@ -920,18 +894,18 @@
           <a:lstStyle/>
           <a:p>
             <a:fld id="{B8796F01-7154-41E0-B48B-A6921757531A}" type="slidenum">
-              <a:rPr lang="en-IL" smtClean="0"/>
+              <a:rPr lang="en-US" smtClean="0"/>
               <a:pPr/>
-              <a:t>3</a:t>
+              <a:t>4</a:t>
             </a:fld>
-            <a:endParaRPr lang="en-IL"/>
+            <a:endParaRPr lang="en-US"/>
           </a:p>
         </p:txBody>
       </p:sp>
     </p:spTree>
     <p:extLst>
       <p:ext uri="{BB962C8B-B14F-4D97-AF65-F5344CB8AC3E}">
-        <p14:creationId xmlns:p14="http://schemas.microsoft.com/office/powerpoint/2010/main" val="350741349"/>
+        <p14:creationId xmlns:p14="http://schemas.microsoft.com/office/powerpoint/2010/main" val="1054508575"/>
       </p:ext>
     </p:extLst>
   </p:cSld>
@@ -985,34 +959,48 @@
           <a:bodyPr/>
           <a:lstStyle/>
           <a:p>
-            <a:pPr algn="r" rtl="1"/>
-            <a:r>
-              <a:rPr lang="he-IL" dirty="0"/>
-              <a:t>תעשיה.....</a:t>
-            </a:r>
-          </a:p>
-          <a:p>
-            <a:pPr algn="r" rtl="1"/>
-            <a:endParaRPr lang="he-IL" dirty="0"/>
-          </a:p>
-          <a:p>
-            <a:pPr algn="r" rtl="1"/>
-            <a:r>
-              <a:rPr lang="en-US" dirty="0"/>
-              <a:t>AI</a:t>
-            </a:r>
-            <a:r>
-              <a:rPr lang="he-IL" dirty="0"/>
-              <a:t> – חיפוש אחרי בן אדם</a:t>
-            </a:r>
-          </a:p>
-          <a:p>
-            <a:pPr algn="r" rtl="1"/>
-            <a:endParaRPr lang="he-IL" dirty="0"/>
-          </a:p>
-          <a:p>
-            <a:pPr algn="r" rtl="1"/>
-            <a:endParaRPr lang="he-IL" dirty="0"/>
+            <a:r>
+              <a:rPr lang="ru-RU" dirty="0"/>
+              <a:t>1911 год, дело Менделя Бейлиса</a:t>
+            </a:r>
+          </a:p>
+          <a:p>
+            <a:r>
+              <a:rPr lang="ru-RU" dirty="0"/>
+              <a:t>Убийство христианского мальчика</a:t>
+            </a:r>
+          </a:p>
+          <a:p>
+            <a:endParaRPr lang="ru-RU" dirty="0"/>
+          </a:p>
+          <a:p>
+            <a:r>
+              <a:rPr lang="ru-RU" dirty="0"/>
+              <a:t>«Вы называетесь Адам, но идолополконники не называются Адам» (Баба-Мециа)</a:t>
+            </a:r>
+          </a:p>
+          <a:p>
+            <a:r>
+              <a:rPr lang="ru-RU" dirty="0"/>
+              <a:t>Адам – это термин который обоначает как единого человека так и общность людей. Евреи ощущают себя единым организмом. Когда Бейлиса обвиняют в убийстве говорят – евреи убили мальчика. Когда судят Бейиса, еврейский мир переживает в НЙ и Париже. В чем смысл? </a:t>
+            </a:r>
+            <a:endParaRPr lang="en-IL" dirty="0"/>
+          </a:p>
+          <a:p>
+            <a:endParaRPr lang="ru-RU" dirty="0"/>
+          </a:p>
+          <a:p>
+            <a:r>
+              <a:rPr lang="ru-RU" dirty="0"/>
+              <a:t>Адвокат Оскар Грузенберг</a:t>
+            </a:r>
+          </a:p>
+          <a:p>
+            <a:r>
+              <a:rPr lang="ru-RU" dirty="0"/>
+              <a:t>Ответ рава Меир Шапиро из Люблина</a:t>
+            </a:r>
+            <a:endParaRPr lang="en-IL" dirty="0"/>
           </a:p>
         </p:txBody>
       </p:sp>
@@ -1032,18 +1020,18 @@
           <a:lstStyle/>
           <a:p>
             <a:fld id="{B8796F01-7154-41E0-B48B-A6921757531A}" type="slidenum">
-              <a:rPr lang="en-US" smtClean="0"/>
+              <a:rPr lang="en-IL" smtClean="0"/>
               <a:pPr/>
-              <a:t>4</a:t>
+              <a:t>5</a:t>
             </a:fld>
-            <a:endParaRPr lang="en-US"/>
+            <a:endParaRPr lang="en-IL"/>
           </a:p>
         </p:txBody>
       </p:sp>
     </p:spTree>
     <p:extLst>
       <p:ext uri="{BB962C8B-B14F-4D97-AF65-F5344CB8AC3E}">
-        <p14:creationId xmlns:p14="http://schemas.microsoft.com/office/powerpoint/2010/main" val="507936841"/>
+        <p14:creationId xmlns:p14="http://schemas.microsoft.com/office/powerpoint/2010/main" val="350741349"/>
       </p:ext>
     </p:extLst>
   </p:cSld>
@@ -1072,7 +1060,7 @@
       </p:grpSpPr>
       <p:sp>
         <p:nvSpPr>
-          <p:cNvPr id="2" name="מציין מיקום של תמונת שקופית 1"/>
+          <p:cNvPr id="2" name="Slide Image Placeholder 1"/>
           <p:cNvSpPr>
             <a:spLocks noGrp="1" noRot="1" noChangeAspect="1"/>
           </p:cNvSpPr>
@@ -1084,7 +1072,7 @@
       </p:sp>
       <p:sp>
         <p:nvSpPr>
-          <p:cNvPr id="3" name="מציין מיקום של הערות 2"/>
+          <p:cNvPr id="3" name="Notes Placeholder 2"/>
           <p:cNvSpPr>
             <a:spLocks noGrp="1"/>
           </p:cNvSpPr>
@@ -1097,58 +1085,40 @@
           <a:bodyPr/>
           <a:lstStyle/>
           <a:p>
-            <a:r>
-              <a:rPr lang="ru-RU" dirty="0"/>
-              <a:t>Народы мира – только то что мы понимаем</a:t>
-            </a:r>
-          </a:p>
-          <a:p>
-            <a:endParaRPr lang="ru-RU" dirty="0"/>
-          </a:p>
-          <a:p>
-            <a:r>
-              <a:rPr lang="ru-RU" dirty="0"/>
-              <a:t>Евреи – разговор. Разговор – соединение высшей части человека и низшей</a:t>
-            </a:r>
-          </a:p>
-          <a:p>
-            <a:endParaRPr lang="ru-RU" dirty="0"/>
-          </a:p>
-          <a:p>
-            <a:r>
-              <a:rPr lang="ru-RU" dirty="0"/>
-              <a:t>Шея – место разговора. Слова – отрезать разговор на слова</a:t>
-            </a:r>
-          </a:p>
-          <a:p>
-            <a:endParaRPr lang="ru-RU" dirty="0"/>
-          </a:p>
-          <a:p>
-            <a:r>
-              <a:rPr lang="ru-RU" dirty="0"/>
-              <a:t>Шея – соединение духовных мыслей и физического тела</a:t>
-            </a:r>
-          </a:p>
-          <a:p>
-            <a:endParaRPr lang="ru-RU" dirty="0"/>
-          </a:p>
-          <a:p>
-            <a:r>
-              <a:rPr lang="ru-RU" dirty="0"/>
-              <a:t>Шея – притча на Храм (Йосеф плакал на шее Биньямина – о двух Храмах которые будут разрушены)</a:t>
-            </a:r>
-          </a:p>
-          <a:p>
-            <a:endParaRPr lang="ru-RU" dirty="0"/>
-          </a:p>
-          <a:p>
-            <a:endParaRPr lang="en-IL" dirty="0"/>
-          </a:p>
-        </p:txBody>
-      </p:sp>
-      <p:sp>
-        <p:nvSpPr>
-          <p:cNvPr id="4" name="מציין מיקום של מספר שקופית 3"/>
+            <a:pPr algn="r" rtl="1"/>
+            <a:r>
+              <a:rPr lang="he-IL" dirty="0"/>
+              <a:t>תעשיה.....</a:t>
+            </a:r>
+          </a:p>
+          <a:p>
+            <a:pPr algn="r" rtl="1"/>
+            <a:endParaRPr lang="he-IL" dirty="0"/>
+          </a:p>
+          <a:p>
+            <a:pPr algn="r" rtl="1"/>
+            <a:r>
+              <a:rPr lang="en-US" dirty="0"/>
+              <a:t>AI</a:t>
+            </a:r>
+            <a:r>
+              <a:rPr lang="he-IL" dirty="0"/>
+              <a:t> – חיפוש אחרי בן אדם</a:t>
+            </a:r>
+          </a:p>
+          <a:p>
+            <a:pPr algn="r" rtl="1"/>
+            <a:endParaRPr lang="he-IL" dirty="0"/>
+          </a:p>
+          <a:p>
+            <a:pPr algn="r" rtl="1"/>
+            <a:endParaRPr lang="he-IL" dirty="0"/>
+          </a:p>
+        </p:txBody>
+      </p:sp>
+      <p:sp>
+        <p:nvSpPr>
+          <p:cNvPr id="4" name="Slide Number Placeholder 3"/>
           <p:cNvSpPr>
             <a:spLocks noGrp="1"/>
           </p:cNvSpPr>
@@ -1162,18 +1132,18 @@
           <a:lstStyle/>
           <a:p>
             <a:fld id="{B8796F01-7154-41E0-B48B-A6921757531A}" type="slidenum">
-              <a:rPr lang="en-IL" smtClean="0"/>
+              <a:rPr lang="en-US" smtClean="0"/>
               <a:pPr/>
               <a:t>6</a:t>
             </a:fld>
-            <a:endParaRPr lang="en-IL"/>
+            <a:endParaRPr lang="en-US"/>
           </a:p>
         </p:txBody>
       </p:sp>
     </p:spTree>
     <p:extLst>
       <p:ext uri="{BB962C8B-B14F-4D97-AF65-F5344CB8AC3E}">
-        <p14:creationId xmlns:p14="http://schemas.microsoft.com/office/powerpoint/2010/main" val="3820975579"/>
+        <p14:creationId xmlns:p14="http://schemas.microsoft.com/office/powerpoint/2010/main" val="507936841"/>
       </p:ext>
     </p:extLst>
   </p:cSld>
@@ -1229,7 +1199,7 @@
           <a:p>
             <a:r>
               <a:rPr lang="ru-RU" dirty="0"/>
-              <a:t>Почему меньше времени и больше есть?</a:t>
+              <a:t>Народы мира – только то что мы понимаем</a:t>
             </a:r>
           </a:p>
           <a:p>
@@ -1238,22 +1208,38 @@
           <a:p>
             <a:r>
               <a:rPr lang="ru-RU" dirty="0"/>
-              <a:t>Рассказ в 107 главе </a:t>
-            </a:r>
-            <a:r>
-              <a:rPr lang="ru-RU" dirty="0" err="1"/>
-              <a:t>Техилим</a:t>
-            </a:r>
+              <a:t>Евреи – разговор. Разговор – соединение высшей части человека и низшей</a:t>
+            </a:r>
+          </a:p>
+          <a:p>
             <a:endParaRPr lang="ru-RU" dirty="0"/>
           </a:p>
           <a:p>
+            <a:r>
+              <a:rPr lang="ru-RU" dirty="0"/>
+              <a:t>Шея – место разговора. Слова – отрезать разговор на слова</a:t>
+            </a:r>
+          </a:p>
+          <a:p>
             <a:endParaRPr lang="ru-RU" dirty="0"/>
           </a:p>
           <a:p>
             <a:r>
               <a:rPr lang="ru-RU" dirty="0"/>
-              <a:t>4 раза упоминается что надо благодарить и рассказать всем остальным</a:t>
-            </a:r>
+              <a:t>Шея – соединение духовных мыслей и физического тела</a:t>
+            </a:r>
+          </a:p>
+          <a:p>
+            <a:endParaRPr lang="ru-RU" dirty="0"/>
+          </a:p>
+          <a:p>
+            <a:r>
+              <a:rPr lang="ru-RU" dirty="0"/>
+              <a:t>Шея – притча на Храм (Йосеф плакал на шее Биньямина – о двух Храмах которые будут разрушены)</a:t>
+            </a:r>
+          </a:p>
+          <a:p>
+            <a:endParaRPr lang="ru-RU" dirty="0"/>
           </a:p>
           <a:p>
             <a:endParaRPr lang="en-IL" dirty="0"/>
@@ -1287,7 +1273,7 @@
     </p:spTree>
     <p:extLst>
       <p:ext uri="{BB962C8B-B14F-4D97-AF65-F5344CB8AC3E}">
-        <p14:creationId xmlns:p14="http://schemas.microsoft.com/office/powerpoint/2010/main" val="3187612928"/>
+        <p14:creationId xmlns:p14="http://schemas.microsoft.com/office/powerpoint/2010/main" val="3820975579"/>
       </p:ext>
     </p:extLst>
   </p:cSld>
@@ -1342,28 +1328,32 @@
           <a:lstStyle/>
           <a:p>
             <a:r>
+              <a:rPr lang="ru-RU" dirty="0"/>
+              <a:t>Почему меньше времени и больше есть?</a:t>
+            </a:r>
+          </a:p>
+          <a:p>
+            <a:endParaRPr lang="ru-RU" dirty="0"/>
+          </a:p>
+          <a:p>
+            <a:r>
+              <a:rPr lang="ru-RU" dirty="0"/>
+              <a:t>Рассказ в 107 главе </a:t>
+            </a:r>
+            <a:r>
               <a:rPr lang="ru-RU" dirty="0" err="1"/>
-              <a:t>Мицраим</a:t>
-            </a:r>
+              <a:t>Техилим</a:t>
+            </a:r>
+            <a:endParaRPr lang="ru-RU" dirty="0"/>
+          </a:p>
+          <a:p>
+            <a:endParaRPr lang="ru-RU" dirty="0"/>
+          </a:p>
+          <a:p>
             <a:r>
               <a:rPr lang="ru-RU" dirty="0"/>
-              <a:t> – начинается с открытой Мем, заканчивается Мем закрытой</a:t>
-            </a:r>
-          </a:p>
-          <a:p>
-            <a:endParaRPr lang="ru-RU" dirty="0"/>
-          </a:p>
-          <a:p>
-            <a:r>
-              <a:rPr lang="ru-RU" dirty="0"/>
-              <a:t>4 стакана вина – против 4 кто должен благодарить</a:t>
-            </a:r>
-          </a:p>
-          <a:p>
-            <a:endParaRPr lang="ru-RU" dirty="0"/>
-          </a:p>
-          <a:p>
-            <a:endParaRPr lang="ru-RU" dirty="0"/>
+              <a:t>4 раза упоминается что надо благодарить и рассказать всем остальным</a:t>
+            </a:r>
           </a:p>
           <a:p>
             <a:endParaRPr lang="en-IL" dirty="0"/>
@@ -1388,7 +1378,7 @@
             <a:fld id="{B8796F01-7154-41E0-B48B-A6921757531A}" type="slidenum">
               <a:rPr lang="en-IL" smtClean="0"/>
               <a:pPr/>
-              <a:t>9</a:t>
+              <a:t>10</a:t>
             </a:fld>
             <a:endParaRPr lang="en-IL"/>
           </a:p>
@@ -1397,7 +1387,7 @@
     </p:spTree>
     <p:extLst>
       <p:ext uri="{BB962C8B-B14F-4D97-AF65-F5344CB8AC3E}">
-        <p14:creationId xmlns:p14="http://schemas.microsoft.com/office/powerpoint/2010/main" val="1803609472"/>
+        <p14:creationId xmlns:p14="http://schemas.microsoft.com/office/powerpoint/2010/main" val="3187612928"/>
       </p:ext>
     </p:extLst>
   </p:cSld>
@@ -1452,23 +1442,22 @@
           <a:lstStyle/>
           <a:p>
             <a:r>
+              <a:rPr lang="ru-RU" dirty="0" err="1"/>
+              <a:t>Мицраим</a:t>
+            </a:r>
+            <a:r>
               <a:rPr lang="ru-RU" dirty="0"/>
-              <a:t>Рассказ про </a:t>
-            </a:r>
-            <a:r>
-              <a:rPr lang="ru-RU" dirty="0" err="1"/>
-              <a:t>рава</a:t>
-            </a:r>
+              <a:t> – начинается с открытой Мем, заканчивается Мем закрытой</a:t>
+            </a:r>
+          </a:p>
+          <a:p>
+            <a:endParaRPr lang="ru-RU" dirty="0"/>
+          </a:p>
+          <a:p>
             <a:r>
               <a:rPr lang="ru-RU" dirty="0"/>
-              <a:t> Поварского который боялся поменять обратно фамилию – боялся что русские придут</a:t>
-            </a:r>
-          </a:p>
-          <a:p>
-            <a:endParaRPr lang="ru-RU" dirty="0"/>
-          </a:p>
-          <a:p>
-            <a:endParaRPr lang="ru-RU" dirty="0"/>
+              <a:t>4 стакана вина – против 4 кто должен благодарить</a:t>
+            </a:r>
           </a:p>
           <a:p>
             <a:endParaRPr lang="ru-RU" dirty="0"/>
@@ -1499,7 +1488,118 @@
             <a:fld id="{B8796F01-7154-41E0-B48B-A6921757531A}" type="slidenum">
               <a:rPr lang="en-IL" smtClean="0"/>
               <a:pPr/>
-              <a:t>10</a:t>
+              <a:t>11</a:t>
+            </a:fld>
+            <a:endParaRPr lang="en-IL"/>
+          </a:p>
+        </p:txBody>
+      </p:sp>
+    </p:spTree>
+    <p:extLst>
+      <p:ext uri="{BB962C8B-B14F-4D97-AF65-F5344CB8AC3E}">
+        <p14:creationId xmlns:p14="http://schemas.microsoft.com/office/powerpoint/2010/main" val="1803609472"/>
+      </p:ext>
+    </p:extLst>
+  </p:cSld>
+  <p:clrMapOvr>
+    <a:masterClrMapping/>
+  </p:clrMapOvr>
+</p:notes>
+</file>
+
+<file path=ppt/notesSlides/notesSlide8.xml><?xml version="1.0" encoding="utf-8"?>
+<p:notes xmlns:a="http://schemas.openxmlformats.org/drawingml/2006/main" xmlns:r="http://schemas.openxmlformats.org/officeDocument/2006/relationships" xmlns:p="http://schemas.openxmlformats.org/presentationml/2006/main">
+  <p:cSld>
+    <p:spTree>
+      <p:nvGrpSpPr>
+        <p:cNvPr id="1" name=""/>
+        <p:cNvGrpSpPr/>
+        <p:nvPr/>
+      </p:nvGrpSpPr>
+      <p:grpSpPr>
+        <a:xfrm>
+          <a:off x="0" y="0"/>
+          <a:ext cx="0" cy="0"/>
+          <a:chOff x="0" y="0"/>
+          <a:chExt cx="0" cy="0"/>
+        </a:xfrm>
+      </p:grpSpPr>
+      <p:sp>
+        <p:nvSpPr>
+          <p:cNvPr id="2" name="מציין מיקום של תמונת שקופית 1"/>
+          <p:cNvSpPr>
+            <a:spLocks noGrp="1" noRot="1" noChangeAspect="1"/>
+          </p:cNvSpPr>
+          <p:nvPr>
+            <p:ph type="sldImg"/>
+          </p:nvPr>
+        </p:nvSpPr>
+        <p:spPr/>
+      </p:sp>
+      <p:sp>
+        <p:nvSpPr>
+          <p:cNvPr id="3" name="מציין מיקום של הערות 2"/>
+          <p:cNvSpPr>
+            <a:spLocks noGrp="1"/>
+          </p:cNvSpPr>
+          <p:nvPr>
+            <p:ph type="body" idx="1"/>
+          </p:nvPr>
+        </p:nvSpPr>
+        <p:spPr/>
+        <p:txBody>
+          <a:bodyPr/>
+          <a:lstStyle/>
+          <a:p>
+            <a:r>
+              <a:rPr lang="ru-RU" dirty="0"/>
+              <a:t>Рассказ про </a:t>
+            </a:r>
+            <a:r>
+              <a:rPr lang="ru-RU" dirty="0" err="1"/>
+              <a:t>рава</a:t>
+            </a:r>
+            <a:r>
+              <a:rPr lang="ru-RU" dirty="0"/>
+              <a:t> Поварского который боялся поменять обратно фамилию – боялся что русские придут</a:t>
+            </a:r>
+          </a:p>
+          <a:p>
+            <a:endParaRPr lang="ru-RU" dirty="0"/>
+          </a:p>
+          <a:p>
+            <a:endParaRPr lang="ru-RU" dirty="0"/>
+          </a:p>
+          <a:p>
+            <a:endParaRPr lang="ru-RU" dirty="0"/>
+          </a:p>
+          <a:p>
+            <a:endParaRPr lang="ru-RU" dirty="0"/>
+          </a:p>
+          <a:p>
+            <a:endParaRPr lang="en-IL" dirty="0"/>
+          </a:p>
+        </p:txBody>
+      </p:sp>
+      <p:sp>
+        <p:nvSpPr>
+          <p:cNvPr id="4" name="מציין מיקום של מספר שקופית 3"/>
+          <p:cNvSpPr>
+            <a:spLocks noGrp="1"/>
+          </p:cNvSpPr>
+          <p:nvPr>
+            <p:ph type="sldNum" sz="quarter" idx="5"/>
+          </p:nvPr>
+        </p:nvSpPr>
+        <p:spPr/>
+        <p:txBody>
+          <a:bodyPr/>
+          <a:lstStyle/>
+          <a:p>
+            <a:fld id="{B8796F01-7154-41E0-B48B-A6921757531A}" type="slidenum">
+              <a:rPr lang="en-IL" smtClean="0"/>
+              <a:pPr/>
+              <a:t>12</a:t>
             </a:fld>
             <a:endParaRPr lang="en-IL"/>
           </a:p>
@@ -4886,7 +4986,7 @@
           <a:p>
             <a:r>
               <a:rPr lang="ru-RU" dirty="0"/>
-              <a:t>Песах</a:t>
+              <a:t>Счет Омера</a:t>
             </a:r>
             <a:endParaRPr lang="en-US" dirty="0"/>
           </a:p>
@@ -4909,7 +5009,7 @@
           <a:p>
             <a:r>
               <a:rPr lang="ru-RU" dirty="0"/>
-              <a:t>Исправление разговора</a:t>
+              <a:t>Лестница личностного роста</a:t>
             </a:r>
           </a:p>
           <a:p>
@@ -5020,6 +5120,459 @@
         </p:nvSpPr>
         <p:spPr/>
         <p:txBody>
+          <a:bodyPr/>
+          <a:lstStyle/>
+          <a:p>
+            <a:pPr algn="l" fontAlgn="base"/>
+            <a:r>
+              <a:rPr lang="ru-RU" dirty="0">
+                <a:solidFill>
+                  <a:srgbClr val="444444"/>
+                </a:solidFill>
+                <a:latin typeface="PTSerif"/>
+              </a:rPr>
+              <a:t>Четверо приносят жертву благодарности</a:t>
+            </a:r>
+          </a:p>
+          <a:p>
+            <a:pPr lvl="1" fontAlgn="base"/>
+            <a:r>
+              <a:rPr lang="ru-RU" dirty="0">
+                <a:solidFill>
+                  <a:srgbClr val="444444"/>
+                </a:solidFill>
+                <a:latin typeface="PTSerif"/>
+              </a:rPr>
+              <a:t>Пересекающие пустыню</a:t>
+            </a:r>
+          </a:p>
+          <a:p>
+            <a:pPr lvl="1" fontAlgn="base"/>
+            <a:r>
+              <a:rPr lang="ru-RU" dirty="0">
+                <a:solidFill>
+                  <a:srgbClr val="444444"/>
+                </a:solidFill>
+                <a:latin typeface="PTSerif"/>
+              </a:rPr>
+              <a:t>Переходящие через море</a:t>
+            </a:r>
+          </a:p>
+          <a:p>
+            <a:pPr lvl="1" fontAlgn="base"/>
+            <a:r>
+              <a:rPr lang="ru-RU" dirty="0">
+                <a:solidFill>
+                  <a:srgbClr val="444444"/>
+                </a:solidFill>
+                <a:latin typeface="PTSerif"/>
+              </a:rPr>
+              <a:t>Освобожденные из тюрьмы</a:t>
+            </a:r>
+          </a:p>
+          <a:p>
+            <a:pPr lvl="1" fontAlgn="base"/>
+            <a:r>
+              <a:rPr lang="ru-RU" dirty="0">
+                <a:solidFill>
+                  <a:srgbClr val="444444"/>
+                </a:solidFill>
+                <a:latin typeface="PTSerif"/>
+              </a:rPr>
+              <a:t>Больные которые </a:t>
+            </a:r>
+            <a:r>
+              <a:rPr lang="ru-RU" dirty="0" err="1">
+                <a:solidFill>
+                  <a:srgbClr val="444444"/>
+                </a:solidFill>
+                <a:latin typeface="PTSerif"/>
+              </a:rPr>
+              <a:t>выздровили</a:t>
+            </a:r>
+            <a:endParaRPr lang="ru-RU" dirty="0">
+              <a:solidFill>
+                <a:srgbClr val="444444"/>
+              </a:solidFill>
+              <a:latin typeface="PTSerif"/>
+            </a:endParaRPr>
+          </a:p>
+          <a:p>
+            <a:pPr lvl="1" fontAlgn="base"/>
+            <a:endParaRPr lang="ru-RU" dirty="0">
+              <a:solidFill>
+                <a:srgbClr val="444444"/>
+              </a:solidFill>
+              <a:latin typeface="PTSerif"/>
+            </a:endParaRPr>
+          </a:p>
+          <a:p>
+            <a:pPr algn="l" fontAlgn="base"/>
+            <a:r>
+              <a:rPr lang="ru-RU" dirty="0">
+                <a:solidFill>
+                  <a:srgbClr val="444444"/>
+                </a:solidFill>
+                <a:latin typeface="PTSerif"/>
+              </a:rPr>
+              <a:t>Все </a:t>
+            </a:r>
+            <a:r>
+              <a:rPr lang="ru-RU" dirty="0" err="1">
+                <a:solidFill>
+                  <a:srgbClr val="444444"/>
+                </a:solidFill>
+                <a:latin typeface="PTSerif"/>
+              </a:rPr>
+              <a:t>Шламим</a:t>
+            </a:r>
+            <a:r>
+              <a:rPr lang="ru-RU" dirty="0">
+                <a:solidFill>
+                  <a:srgbClr val="444444"/>
+                </a:solidFill>
+                <a:latin typeface="PTSerif"/>
+              </a:rPr>
+              <a:t> – едят два дня</a:t>
+            </a:r>
+          </a:p>
+          <a:p>
+            <a:pPr algn="l" fontAlgn="base"/>
+            <a:r>
+              <a:rPr lang="ru-RU" dirty="0" err="1">
+                <a:solidFill>
+                  <a:srgbClr val="444444"/>
+                </a:solidFill>
+                <a:latin typeface="PTSerif"/>
+              </a:rPr>
+              <a:t>Тодот</a:t>
+            </a:r>
+            <a:r>
+              <a:rPr lang="ru-RU" dirty="0">
+                <a:solidFill>
+                  <a:srgbClr val="444444"/>
+                </a:solidFill>
+                <a:latin typeface="PTSerif"/>
+              </a:rPr>
+              <a:t> – один день, и еще надо 40 хлебов</a:t>
+            </a:r>
+          </a:p>
+        </p:txBody>
+      </p:sp>
+    </p:spTree>
+    <p:extLst>
+      <p:ext uri="{BB962C8B-B14F-4D97-AF65-F5344CB8AC3E}">
+        <p14:creationId xmlns:p14="http://schemas.microsoft.com/office/powerpoint/2010/main" val="3190927457"/>
+      </p:ext>
+    </p:extLst>
+  </p:cSld>
+  <p:clrMapOvr>
+    <a:masterClrMapping/>
+  </p:clrMapOvr>
+  <mc:AlternateContent xmlns:mc="http://schemas.openxmlformats.org/markup-compatibility/2006" xmlns:p14="http://schemas.microsoft.com/office/powerpoint/2010/main">
+    <mc:Choice Requires="p14">
+      <p:transition spd="med" p14:dur="700">
+        <p:fade/>
+      </p:transition>
+    </mc:Choice>
+    <mc:Fallback xmlns="">
+      <p:transition spd="med">
+        <p:fade/>
+      </p:transition>
+    </mc:Fallback>
+  </mc:AlternateContent>
+</p:sld>
+</file>
+
+<file path=ppt/slides/slide11.xml><?xml version="1.0" encoding="utf-8"?>
+<p:sld xmlns:a="http://schemas.openxmlformats.org/drawingml/2006/main" xmlns:r="http://schemas.openxmlformats.org/officeDocument/2006/relationships" xmlns:p="http://schemas.openxmlformats.org/presentationml/2006/main">
+  <p:cSld>
+    <p:spTree>
+      <p:nvGrpSpPr>
+        <p:cNvPr id="1" name=""/>
+        <p:cNvGrpSpPr/>
+        <p:nvPr/>
+      </p:nvGrpSpPr>
+      <p:grpSpPr>
+        <a:xfrm>
+          <a:off x="0" y="0"/>
+          <a:ext cx="0" cy="0"/>
+          <a:chOff x="0" y="0"/>
+          <a:chExt cx="0" cy="0"/>
+        </a:xfrm>
+      </p:grpSpPr>
+      <p:sp>
+        <p:nvSpPr>
+          <p:cNvPr id="2" name="כותרת 1">
+            <a:extLst>
+              <a:ext uri="{FF2B5EF4-FFF2-40B4-BE49-F238E27FC236}">
+                <a16:creationId xmlns:a16="http://schemas.microsoft.com/office/drawing/2014/main" id="{98C5C2B6-6421-4B00-D3B1-C1C9E2EC9922}"/>
+              </a:ext>
+            </a:extLst>
+          </p:cNvPr>
+          <p:cNvSpPr>
+            <a:spLocks noGrp="1"/>
+          </p:cNvSpPr>
+          <p:nvPr>
+            <p:ph type="title"/>
+          </p:nvPr>
+        </p:nvSpPr>
+        <p:spPr/>
+        <p:txBody>
+          <a:bodyPr/>
+          <a:lstStyle/>
+          <a:p>
+            <a:r>
+              <a:rPr lang="ru-RU" dirty="0"/>
+              <a:t>Благодарственное Жертва</a:t>
+            </a:r>
+            <a:endParaRPr lang="en-IL" dirty="0"/>
+          </a:p>
+        </p:txBody>
+      </p:sp>
+      <p:sp>
+        <p:nvSpPr>
+          <p:cNvPr id="3" name="מציין מיקום תוכן 2">
+            <a:extLst>
+              <a:ext uri="{FF2B5EF4-FFF2-40B4-BE49-F238E27FC236}">
+                <a16:creationId xmlns:a16="http://schemas.microsoft.com/office/drawing/2014/main" id="{745C28FE-DF6B-D33B-BBC5-52B141604357}"/>
+              </a:ext>
+            </a:extLst>
+          </p:cNvPr>
+          <p:cNvSpPr>
+            <a:spLocks noGrp="1"/>
+          </p:cNvSpPr>
+          <p:nvPr>
+            <p:ph idx="1"/>
+          </p:nvPr>
+        </p:nvSpPr>
+        <p:spPr/>
+        <p:txBody>
+          <a:bodyPr/>
+          <a:lstStyle/>
+          <a:p>
+            <a:pPr fontAlgn="base"/>
+            <a:r>
+              <a:rPr lang="ru-RU" dirty="0">
+                <a:solidFill>
+                  <a:srgbClr val="444444"/>
+                </a:solidFill>
+                <a:latin typeface="PTSerif"/>
+              </a:rPr>
+              <a:t>Все это было при выходе из Египта</a:t>
+            </a:r>
+          </a:p>
+          <a:p>
+            <a:pPr fontAlgn="base"/>
+            <a:r>
+              <a:rPr lang="ru-RU" dirty="0">
+                <a:solidFill>
+                  <a:srgbClr val="444444"/>
+                </a:solidFill>
+                <a:latin typeface="PTSerif"/>
+              </a:rPr>
+              <a:t>Поэтому рассказ о Выходе – это основная заповедь в этот день</a:t>
+            </a:r>
+          </a:p>
+          <a:p>
+            <a:pPr lvl="1" fontAlgn="base"/>
+            <a:r>
+              <a:rPr lang="ru-RU" dirty="0">
+                <a:solidFill>
+                  <a:srgbClr val="444444"/>
+                </a:solidFill>
+                <a:latin typeface="PTSerif"/>
+              </a:rPr>
+              <a:t>Рассказ а не просто упоминание</a:t>
+            </a:r>
+          </a:p>
+          <a:p>
+            <a:pPr fontAlgn="base"/>
+            <a:r>
+              <a:rPr lang="ru-RU" dirty="0">
+                <a:solidFill>
+                  <a:srgbClr val="444444"/>
+                </a:solidFill>
+                <a:latin typeface="PTSerif"/>
+              </a:rPr>
+              <a:t>Поэтому </a:t>
+            </a:r>
+            <a:r>
+              <a:rPr lang="ru-RU" dirty="0" err="1">
+                <a:solidFill>
+                  <a:srgbClr val="444444"/>
+                </a:solidFill>
+                <a:latin typeface="PTSerif"/>
+              </a:rPr>
+              <a:t>Хагада</a:t>
+            </a:r>
+            <a:r>
+              <a:rPr lang="ru-RU" dirty="0">
+                <a:solidFill>
+                  <a:srgbClr val="444444"/>
+                </a:solidFill>
+                <a:latin typeface="PTSerif"/>
+              </a:rPr>
+              <a:t> состоит из стихов </a:t>
+            </a:r>
+            <a:r>
+              <a:rPr lang="ru-RU" dirty="0" err="1">
+                <a:solidFill>
+                  <a:srgbClr val="444444"/>
+                </a:solidFill>
+                <a:latin typeface="PTSerif"/>
+              </a:rPr>
+              <a:t>Бикурим</a:t>
+            </a:r>
+            <a:endParaRPr lang="ru-RU" dirty="0">
+              <a:solidFill>
+                <a:srgbClr val="444444"/>
+              </a:solidFill>
+              <a:latin typeface="PTSerif"/>
+            </a:endParaRPr>
+          </a:p>
+          <a:p>
+            <a:pPr lvl="1" fontAlgn="base"/>
+            <a:r>
+              <a:rPr lang="ru-RU" dirty="0">
+                <a:solidFill>
+                  <a:srgbClr val="444444"/>
+                </a:solidFill>
+                <a:latin typeface="PTSerif"/>
+              </a:rPr>
+              <a:t>Почему не </a:t>
+            </a:r>
+            <a:r>
+              <a:rPr lang="ru-RU" dirty="0" err="1">
+                <a:solidFill>
+                  <a:srgbClr val="444444"/>
+                </a:solidFill>
+                <a:latin typeface="PTSerif"/>
+              </a:rPr>
+              <a:t>Шмот</a:t>
+            </a:r>
+            <a:r>
+              <a:rPr lang="ru-RU" dirty="0">
+                <a:solidFill>
+                  <a:srgbClr val="444444"/>
+                </a:solidFill>
+                <a:latin typeface="PTSerif"/>
+              </a:rPr>
+              <a:t>?</a:t>
+            </a:r>
+          </a:p>
+          <a:p>
+            <a:pPr fontAlgn="base"/>
+            <a:r>
+              <a:rPr lang="ru-RU" dirty="0">
+                <a:solidFill>
+                  <a:srgbClr val="444444"/>
+                </a:solidFill>
+                <a:latin typeface="PTSerif"/>
+              </a:rPr>
+              <a:t>Весь Песах: видеть как будто мы уже выходим из Египта (личного)</a:t>
+            </a:r>
+          </a:p>
+          <a:p>
+            <a:pPr fontAlgn="base"/>
+            <a:endParaRPr lang="ru-RU" dirty="0">
+              <a:solidFill>
+                <a:srgbClr val="444444"/>
+              </a:solidFill>
+              <a:latin typeface="PTSerif"/>
+            </a:endParaRPr>
+          </a:p>
+        </p:txBody>
+      </p:sp>
+    </p:spTree>
+    <p:extLst>
+      <p:ext uri="{BB962C8B-B14F-4D97-AF65-F5344CB8AC3E}">
+        <p14:creationId xmlns:p14="http://schemas.microsoft.com/office/powerpoint/2010/main" val="3211631588"/>
+      </p:ext>
+    </p:extLst>
+  </p:cSld>
+  <p:clrMapOvr>
+    <a:masterClrMapping/>
+  </p:clrMapOvr>
+  <mc:AlternateContent xmlns:mc="http://schemas.openxmlformats.org/markup-compatibility/2006" xmlns:p14="http://schemas.microsoft.com/office/powerpoint/2010/main">
+    <mc:Choice Requires="p14">
+      <p:transition spd="med" p14:dur="700">
+        <p:fade/>
+      </p:transition>
+    </mc:Choice>
+    <mc:Fallback xmlns="">
+      <p:transition spd="med">
+        <p:fade/>
+      </p:transition>
+    </mc:Fallback>
+  </mc:AlternateContent>
+</p:sld>
+</file>
+
+<file path=ppt/slides/slide12.xml><?xml version="1.0" encoding="utf-8"?>
+<p:sld xmlns:a="http://schemas.openxmlformats.org/drawingml/2006/main" xmlns:r="http://schemas.openxmlformats.org/officeDocument/2006/relationships" xmlns:p="http://schemas.openxmlformats.org/presentationml/2006/main">
+  <p:cSld>
+    <p:spTree>
+      <p:nvGrpSpPr>
+        <p:cNvPr id="1" name=""/>
+        <p:cNvGrpSpPr/>
+        <p:nvPr/>
+      </p:nvGrpSpPr>
+      <p:grpSpPr>
+        <a:xfrm>
+          <a:off x="0" y="0"/>
+          <a:ext cx="0" cy="0"/>
+          <a:chOff x="0" y="0"/>
+          <a:chExt cx="0" cy="0"/>
+        </a:xfrm>
+      </p:grpSpPr>
+      <p:sp>
+        <p:nvSpPr>
+          <p:cNvPr id="2" name="כותרת 1">
+            <a:extLst>
+              <a:ext uri="{FF2B5EF4-FFF2-40B4-BE49-F238E27FC236}">
+                <a16:creationId xmlns:a16="http://schemas.microsoft.com/office/drawing/2014/main" id="{98C5C2B6-6421-4B00-D3B1-C1C9E2EC9922}"/>
+              </a:ext>
+            </a:extLst>
+          </p:cNvPr>
+          <p:cNvSpPr>
+            <a:spLocks noGrp="1"/>
+          </p:cNvSpPr>
+          <p:nvPr>
+            <p:ph type="title"/>
+          </p:nvPr>
+        </p:nvSpPr>
+        <p:spPr/>
+        <p:txBody>
+          <a:bodyPr/>
+          <a:lstStyle/>
+          <a:p>
+            <a:r>
+              <a:rPr lang="ru-RU" dirty="0"/>
+              <a:t>Благодарственное Жертва</a:t>
+            </a:r>
+            <a:endParaRPr lang="en-IL" dirty="0"/>
+          </a:p>
+        </p:txBody>
+      </p:sp>
+      <p:sp>
+        <p:nvSpPr>
+          <p:cNvPr id="3" name="מציין מיקום תוכן 2">
+            <a:extLst>
+              <a:ext uri="{FF2B5EF4-FFF2-40B4-BE49-F238E27FC236}">
+                <a16:creationId xmlns:a16="http://schemas.microsoft.com/office/drawing/2014/main" id="{745C28FE-DF6B-D33B-BBC5-52B141604357}"/>
+              </a:ext>
+            </a:extLst>
+          </p:cNvPr>
+          <p:cNvSpPr>
+            <a:spLocks noGrp="1"/>
+          </p:cNvSpPr>
+          <p:nvPr>
+            <p:ph idx="1"/>
+          </p:nvPr>
+        </p:nvSpPr>
+        <p:spPr/>
+        <p:txBody>
           <a:bodyPr>
             <a:normAutofit fontScale="92500" lnSpcReduction="20000"/>
           </a:bodyPr>
@@ -5304,6 +5857,263 @@
 </file>
 
 <file path=ppt/slides/slide2.xml><?xml version="1.0" encoding="utf-8"?>
+<p:sld xmlns:a="http://schemas.openxmlformats.org/drawingml/2006/main" xmlns:r="http://schemas.openxmlformats.org/officeDocument/2006/relationships" xmlns:p="http://schemas.openxmlformats.org/presentationml/2006/main">
+  <p:cSld>
+    <p:spTree>
+      <p:nvGrpSpPr>
+        <p:cNvPr id="1" name=""/>
+        <p:cNvGrpSpPr/>
+        <p:nvPr/>
+      </p:nvGrpSpPr>
+      <p:grpSpPr>
+        <a:xfrm>
+          <a:off x="0" y="0"/>
+          <a:ext cx="0" cy="0"/>
+          <a:chOff x="0" y="0"/>
+          <a:chExt cx="0" cy="0"/>
+        </a:xfrm>
+      </p:grpSpPr>
+      <p:sp>
+        <p:nvSpPr>
+          <p:cNvPr id="2" name="כותרת 1">
+            <a:extLst>
+              <a:ext uri="{FF2B5EF4-FFF2-40B4-BE49-F238E27FC236}">
+                <a16:creationId xmlns:a16="http://schemas.microsoft.com/office/drawing/2014/main" id="{FE5DE88B-5A65-32AF-B227-7C2F9746C893}"/>
+              </a:ext>
+            </a:extLst>
+          </p:cNvPr>
+          <p:cNvSpPr>
+            <a:spLocks noGrp="1"/>
+          </p:cNvSpPr>
+          <p:nvPr>
+            <p:ph type="title"/>
+          </p:nvPr>
+        </p:nvSpPr>
+        <p:spPr/>
+        <p:txBody>
+          <a:bodyPr/>
+          <a:lstStyle/>
+          <a:p>
+            <a:r>
+              <a:rPr lang="ru-RU" dirty="0"/>
+              <a:t>Строим Дом</a:t>
+            </a:r>
+            <a:endParaRPr lang="en-IL" dirty="0"/>
+          </a:p>
+        </p:txBody>
+      </p:sp>
+      <p:pic>
+        <p:nvPicPr>
+          <p:cNvPr id="1026" name="Picture 2" descr="Плотничные и столярные работы в Барселоне | Компания BCN Dream House">
+            <a:extLst>
+              <a:ext uri="{FF2B5EF4-FFF2-40B4-BE49-F238E27FC236}">
+                <a16:creationId xmlns:a16="http://schemas.microsoft.com/office/drawing/2014/main" id="{D2148589-66E9-AE1A-CC5D-64443198C67A}"/>
+              </a:ext>
+            </a:extLst>
+          </p:cNvPr>
+          <p:cNvPicPr>
+            <a:picLocks noChangeAspect="1" noChangeArrowheads="1"/>
+          </p:cNvPicPr>
+          <p:nvPr/>
+        </p:nvPicPr>
+        <p:blipFill>
+          <a:blip r:embed="rId3">
+            <a:extLst>
+              <a:ext uri="{28A0092B-C50C-407E-A947-70E740481C1C}">
+                <a14:useLocalDpi xmlns:a14="http://schemas.microsoft.com/office/drawing/2010/main" val="0"/>
+              </a:ext>
+            </a:extLst>
+          </a:blip>
+          <a:srcRect/>
+          <a:stretch>
+            <a:fillRect/>
+          </a:stretch>
+        </p:blipFill>
+        <p:spPr bwMode="auto">
+          <a:xfrm>
+            <a:off x="341312" y="172528"/>
+            <a:ext cx="11506200" cy="6512943"/>
+          </a:xfrm>
+          <a:prstGeom prst="rect">
+            <a:avLst/>
+          </a:prstGeom>
+          <a:noFill/>
+          <a:extLst>
+            <a:ext uri="{909E8E84-426E-40DD-AFC4-6F175D3DCCD1}">
+              <a14:hiddenFill xmlns:a14="http://schemas.microsoft.com/office/drawing/2010/main">
+                <a:solidFill>
+                  <a:srgbClr val="FFFFFF"/>
+                </a:solidFill>
+              </a14:hiddenFill>
+            </a:ext>
+          </a:extLst>
+        </p:spPr>
+      </p:pic>
+    </p:spTree>
+    <p:extLst>
+      <p:ext uri="{BB962C8B-B14F-4D97-AF65-F5344CB8AC3E}">
+        <p14:creationId xmlns:p14="http://schemas.microsoft.com/office/powerpoint/2010/main" val="3383546071"/>
+      </p:ext>
+    </p:extLst>
+  </p:cSld>
+  <p:clrMapOvr>
+    <a:masterClrMapping/>
+  </p:clrMapOvr>
+  <mc:AlternateContent xmlns:mc="http://schemas.openxmlformats.org/markup-compatibility/2006" xmlns:p14="http://schemas.microsoft.com/office/powerpoint/2010/main">
+    <mc:Choice Requires="p14">
+      <p:transition spd="med" p14:dur="700">
+        <p:fade/>
+      </p:transition>
+    </mc:Choice>
+    <mc:Fallback xmlns="">
+      <p:transition spd="med">
+        <p:fade/>
+      </p:transition>
+    </mc:Fallback>
+  </mc:AlternateContent>
+</p:sld>
+</file>
+
+<file path=ppt/slides/slide3.xml><?xml version="1.0" encoding="utf-8"?>
+<p:sld xmlns:a="http://schemas.openxmlformats.org/drawingml/2006/main" xmlns:r="http://schemas.openxmlformats.org/officeDocument/2006/relationships" xmlns:p="http://schemas.openxmlformats.org/presentationml/2006/main">
+  <p:cSld>
+    <p:spTree>
+      <p:nvGrpSpPr>
+        <p:cNvPr id="1" name=""/>
+        <p:cNvGrpSpPr/>
+        <p:nvPr/>
+      </p:nvGrpSpPr>
+      <p:grpSpPr>
+        <a:xfrm>
+          <a:off x="0" y="0"/>
+          <a:ext cx="0" cy="0"/>
+          <a:chOff x="0" y="0"/>
+          <a:chExt cx="0" cy="0"/>
+        </a:xfrm>
+      </p:grpSpPr>
+      <p:sp>
+        <p:nvSpPr>
+          <p:cNvPr id="2" name="כותרת 1">
+            <a:extLst>
+              <a:ext uri="{FF2B5EF4-FFF2-40B4-BE49-F238E27FC236}">
+                <a16:creationId xmlns:a16="http://schemas.microsoft.com/office/drawing/2014/main" id="{AC1488A0-8D19-8EEB-113D-D1C3A6BA79BF}"/>
+              </a:ext>
+            </a:extLst>
+          </p:cNvPr>
+          <p:cNvSpPr>
+            <a:spLocks noGrp="1"/>
+          </p:cNvSpPr>
+          <p:nvPr>
+            <p:ph type="title"/>
+          </p:nvPr>
+        </p:nvSpPr>
+        <p:spPr/>
+        <p:txBody>
+          <a:bodyPr/>
+          <a:lstStyle/>
+          <a:p>
+            <a:endParaRPr lang="en-IL" dirty="0"/>
+          </a:p>
+        </p:txBody>
+      </p:sp>
+      <p:sp>
+        <p:nvSpPr>
+          <p:cNvPr id="3" name="מציין מיקום תוכן 2">
+            <a:extLst>
+              <a:ext uri="{FF2B5EF4-FFF2-40B4-BE49-F238E27FC236}">
+                <a16:creationId xmlns:a16="http://schemas.microsoft.com/office/drawing/2014/main" id="{B47C054F-AEA4-5A84-12DC-8A614597A598}"/>
+              </a:ext>
+            </a:extLst>
+          </p:cNvPr>
+          <p:cNvSpPr>
+            <a:spLocks noGrp="1"/>
+          </p:cNvSpPr>
+          <p:nvPr>
+            <p:ph idx="1"/>
+          </p:nvPr>
+        </p:nvSpPr>
+        <p:spPr/>
+        <p:txBody>
+          <a:bodyPr/>
+          <a:lstStyle/>
+          <a:p>
+            <a:endParaRPr lang="en-IL"/>
+          </a:p>
+        </p:txBody>
+      </p:sp>
+      <p:pic>
+        <p:nvPicPr>
+          <p:cNvPr id="2054" name="Picture 6" descr="Бригада плотников, отделка домов из дерева, каркасные дома, каркасник,  каркасный дом своими руками, строим каркасный дом">
+            <a:extLst>
+              <a:ext uri="{FF2B5EF4-FFF2-40B4-BE49-F238E27FC236}">
+                <a16:creationId xmlns:a16="http://schemas.microsoft.com/office/drawing/2014/main" id="{808AC777-D20F-EAFB-156E-78B80DB284CF}"/>
+              </a:ext>
+            </a:extLst>
+          </p:cNvPr>
+          <p:cNvPicPr>
+            <a:picLocks noChangeAspect="1" noChangeArrowheads="1"/>
+          </p:cNvPicPr>
+          <p:nvPr/>
+        </p:nvPicPr>
+        <p:blipFill>
+          <a:blip r:embed="rId2">
+            <a:extLst>
+              <a:ext uri="{28A0092B-C50C-407E-A947-70E740481C1C}">
+                <a14:useLocalDpi xmlns:a14="http://schemas.microsoft.com/office/drawing/2010/main" val="0"/>
+              </a:ext>
+            </a:extLst>
+          </a:blip>
+          <a:srcRect/>
+          <a:stretch>
+            <a:fillRect/>
+          </a:stretch>
+        </p:blipFill>
+        <p:spPr bwMode="auto">
+          <a:xfrm>
+            <a:off x="227012" y="164592"/>
+            <a:ext cx="11734800" cy="6528816"/>
+          </a:xfrm>
+          <a:prstGeom prst="rect">
+            <a:avLst/>
+          </a:prstGeom>
+          <a:noFill/>
+          <a:extLst>
+            <a:ext uri="{909E8E84-426E-40DD-AFC4-6F175D3DCCD1}">
+              <a14:hiddenFill xmlns:a14="http://schemas.microsoft.com/office/drawing/2010/main">
+                <a:solidFill>
+                  <a:srgbClr val="FFFFFF"/>
+                </a:solidFill>
+              </a14:hiddenFill>
+            </a:ext>
+          </a:extLst>
+        </p:spPr>
+      </p:pic>
+    </p:spTree>
+    <p:extLst>
+      <p:ext uri="{BB962C8B-B14F-4D97-AF65-F5344CB8AC3E}">
+        <p14:creationId xmlns:p14="http://schemas.microsoft.com/office/powerpoint/2010/main" val="1869754907"/>
+      </p:ext>
+    </p:extLst>
+  </p:cSld>
+  <p:clrMapOvr>
+    <a:masterClrMapping/>
+  </p:clrMapOvr>
+  <mc:AlternateContent xmlns:mc="http://schemas.openxmlformats.org/markup-compatibility/2006" xmlns:p14="http://schemas.microsoft.com/office/powerpoint/2010/main">
+    <mc:Choice Requires="p14">
+      <p:transition spd="med" p14:dur="700">
+        <p:fade/>
+      </p:transition>
+    </mc:Choice>
+    <mc:Fallback xmlns="">
+      <p:transition spd="med">
+        <p:fade/>
+      </p:transition>
+    </mc:Fallback>
+  </mc:AlternateContent>
+</p:sld>
+</file>
+
+<file path=ppt/slides/slide4.xml><?xml version="1.0" encoding="utf-8"?>
 <p:sld xmlns:a="http://schemas.openxmlformats.org/drawingml/2006/main" xmlns:r="http://schemas.openxmlformats.org/officeDocument/2006/relationships" xmlns:p="http://schemas.openxmlformats.org/presentationml/2006/main">
   <p:cSld>
     <p:spTree>
@@ -5392,7 +6202,7 @@
 </p:sld>
 </file>
 
-<file path=ppt/slides/slide3.xml><?xml version="1.0" encoding="utf-8"?>
+<file path=ppt/slides/slide5.xml><?xml version="1.0" encoding="utf-8"?>
 <p:sld xmlns:a="http://schemas.openxmlformats.org/drawingml/2006/main" xmlns:r="http://schemas.openxmlformats.org/officeDocument/2006/relationships" xmlns:p="http://schemas.openxmlformats.org/presentationml/2006/main">
   <p:cSld>
     <p:spTree>
@@ -5492,7 +6302,7 @@
 </p:sld>
 </file>
 
-<file path=ppt/slides/slide4.xml><?xml version="1.0" encoding="utf-8"?>
+<file path=ppt/slides/slide6.xml><?xml version="1.0" encoding="utf-8"?>
 <p:sld xmlns:a="http://schemas.openxmlformats.org/drawingml/2006/main" xmlns:r="http://schemas.openxmlformats.org/officeDocument/2006/relationships" xmlns:p="http://schemas.openxmlformats.org/presentationml/2006/main" show="0">
   <p:cSld>
     <p:spTree>
@@ -5581,7 +6391,7 @@
 </p:sld>
 </file>
 
-<file path=ppt/slides/slide5.xml><?xml version="1.0" encoding="utf-8"?>
+<file path=ppt/slides/slide7.xml><?xml version="1.0" encoding="utf-8"?>
 <p:sld xmlns:a="http://schemas.openxmlformats.org/drawingml/2006/main" xmlns:r="http://schemas.openxmlformats.org/officeDocument/2006/relationships" xmlns:p="http://schemas.openxmlformats.org/presentationml/2006/main">
   <p:cSld>
     <p:spTree>
@@ -6115,266 +6925,6 @@
 </p:sld>
 </file>
 
-<file path=ppt/slides/slide6.xml><?xml version="1.0" encoding="utf-8"?>
-<p:sld xmlns:a="http://schemas.openxmlformats.org/drawingml/2006/main" xmlns:r="http://schemas.openxmlformats.org/officeDocument/2006/relationships" xmlns:p="http://schemas.openxmlformats.org/presentationml/2006/main">
-  <p:cSld>
-    <p:spTree>
-      <p:nvGrpSpPr>
-        <p:cNvPr id="1" name=""/>
-        <p:cNvGrpSpPr/>
-        <p:nvPr/>
-      </p:nvGrpSpPr>
-      <p:grpSpPr>
-        <a:xfrm>
-          <a:off x="0" y="0"/>
-          <a:ext cx="0" cy="0"/>
-          <a:chOff x="0" y="0"/>
-          <a:chExt cx="0" cy="0"/>
-        </a:xfrm>
-      </p:grpSpPr>
-      <p:sp>
-        <p:nvSpPr>
-          <p:cNvPr id="2" name="כותרת 1">
-            <a:extLst>
-              <a:ext uri="{FF2B5EF4-FFF2-40B4-BE49-F238E27FC236}">
-                <a16:creationId xmlns:a16="http://schemas.microsoft.com/office/drawing/2014/main" id="{98C5C2B6-6421-4B00-D3B1-C1C9E2EC9922}"/>
-              </a:ext>
-            </a:extLst>
-          </p:cNvPr>
-          <p:cNvSpPr>
-            <a:spLocks noGrp="1"/>
-          </p:cNvSpPr>
-          <p:nvPr>
-            <p:ph type="title"/>
-          </p:nvPr>
-        </p:nvSpPr>
-        <p:spPr/>
-        <p:txBody>
-          <a:bodyPr/>
-          <a:lstStyle/>
-          <a:p>
-            <a:r>
-              <a:rPr lang="ru-RU" dirty="0"/>
-              <a:t>Человек?</a:t>
-            </a:r>
-            <a:endParaRPr lang="en-IL" dirty="0"/>
-          </a:p>
-        </p:txBody>
-      </p:sp>
-      <p:sp>
-        <p:nvSpPr>
-          <p:cNvPr id="3" name="מציין מיקום תוכן 2">
-            <a:extLst>
-              <a:ext uri="{FF2B5EF4-FFF2-40B4-BE49-F238E27FC236}">
-                <a16:creationId xmlns:a16="http://schemas.microsoft.com/office/drawing/2014/main" id="{745C28FE-DF6B-D33B-BBC5-52B141604357}"/>
-              </a:ext>
-            </a:extLst>
-          </p:cNvPr>
-          <p:cNvSpPr>
-            <a:spLocks noGrp="1"/>
-          </p:cNvSpPr>
-          <p:nvPr>
-            <p:ph idx="1"/>
-          </p:nvPr>
-        </p:nvSpPr>
-        <p:spPr/>
-        <p:txBody>
-          <a:bodyPr/>
-          <a:lstStyle/>
-          <a:p>
-            <a:pPr algn="l" fontAlgn="base"/>
-            <a:r>
-              <a:rPr lang="ru-RU" b="0" dirty="0">
-                <a:solidFill>
-                  <a:srgbClr val="444444"/>
-                </a:solidFill>
-                <a:effectLst/>
-                <a:latin typeface="PTSerif"/>
-              </a:rPr>
-              <a:t>Народы мира: человек разумный</a:t>
-            </a:r>
-          </a:p>
-          <a:p>
-            <a:pPr algn="l" fontAlgn="base"/>
-            <a:endParaRPr lang="ru-RU" dirty="0">
-              <a:solidFill>
-                <a:srgbClr val="444444"/>
-              </a:solidFill>
-              <a:latin typeface="PTSerif"/>
-            </a:endParaRPr>
-          </a:p>
-          <a:p>
-            <a:pPr algn="l" fontAlgn="base"/>
-            <a:r>
-              <a:rPr lang="ru-RU" dirty="0">
-                <a:solidFill>
-                  <a:srgbClr val="444444"/>
-                </a:solidFill>
-                <a:latin typeface="PTSerif"/>
-              </a:rPr>
-              <a:t>Евреи: человек разговаривающий</a:t>
-            </a:r>
-            <a:endParaRPr lang="en-IL" dirty="0"/>
-          </a:p>
-        </p:txBody>
-      </p:sp>
-    </p:spTree>
-    <p:extLst>
-      <p:ext uri="{BB962C8B-B14F-4D97-AF65-F5344CB8AC3E}">
-        <p14:creationId xmlns:p14="http://schemas.microsoft.com/office/powerpoint/2010/main" val="1375781891"/>
-      </p:ext>
-    </p:extLst>
-  </p:cSld>
-  <p:clrMapOvr>
-    <a:masterClrMapping/>
-  </p:clrMapOvr>
-  <mc:AlternateContent xmlns:mc="http://schemas.openxmlformats.org/markup-compatibility/2006" xmlns:p14="http://schemas.microsoft.com/office/powerpoint/2010/main">
-    <mc:Choice Requires="p14">
-      <p:transition spd="med" p14:dur="700">
-        <p:fade/>
-      </p:transition>
-    </mc:Choice>
-    <mc:Fallback xmlns="">
-      <p:transition spd="med">
-        <p:fade/>
-      </p:transition>
-    </mc:Fallback>
-  </mc:AlternateContent>
-</p:sld>
-</file>
-
-<file path=ppt/slides/slide7.xml><?xml version="1.0" encoding="utf-8"?>
-<p:sld xmlns:a="http://schemas.openxmlformats.org/drawingml/2006/main" xmlns:r="http://schemas.openxmlformats.org/officeDocument/2006/relationships" xmlns:p="http://schemas.openxmlformats.org/presentationml/2006/main">
-  <p:cSld>
-    <p:spTree>
-      <p:nvGrpSpPr>
-        <p:cNvPr id="1" name=""/>
-        <p:cNvGrpSpPr/>
-        <p:nvPr/>
-      </p:nvGrpSpPr>
-      <p:grpSpPr>
-        <a:xfrm>
-          <a:off x="0" y="0"/>
-          <a:ext cx="0" cy="0"/>
-          <a:chOff x="0" y="0"/>
-          <a:chExt cx="0" cy="0"/>
-        </a:xfrm>
-      </p:grpSpPr>
-      <p:sp>
-        <p:nvSpPr>
-          <p:cNvPr id="2" name="כותרת 1">
-            <a:extLst>
-              <a:ext uri="{FF2B5EF4-FFF2-40B4-BE49-F238E27FC236}">
-                <a16:creationId xmlns:a16="http://schemas.microsoft.com/office/drawing/2014/main" id="{98C5C2B6-6421-4B00-D3B1-C1C9E2EC9922}"/>
-              </a:ext>
-            </a:extLst>
-          </p:cNvPr>
-          <p:cNvSpPr>
-            <a:spLocks noGrp="1"/>
-          </p:cNvSpPr>
-          <p:nvPr>
-            <p:ph type="title"/>
-          </p:nvPr>
-        </p:nvSpPr>
-        <p:spPr/>
-        <p:txBody>
-          <a:bodyPr/>
-          <a:lstStyle/>
-          <a:p>
-            <a:r>
-              <a:rPr lang="ru-RU" dirty="0"/>
-              <a:t>Восхваление Всевышнего</a:t>
-            </a:r>
-            <a:endParaRPr lang="en-IL" dirty="0"/>
-          </a:p>
-        </p:txBody>
-      </p:sp>
-      <p:sp>
-        <p:nvSpPr>
-          <p:cNvPr id="3" name="מציין מיקום תוכן 2">
-            <a:extLst>
-              <a:ext uri="{FF2B5EF4-FFF2-40B4-BE49-F238E27FC236}">
-                <a16:creationId xmlns:a16="http://schemas.microsoft.com/office/drawing/2014/main" id="{745C28FE-DF6B-D33B-BBC5-52B141604357}"/>
-              </a:ext>
-            </a:extLst>
-          </p:cNvPr>
-          <p:cNvSpPr>
-            <a:spLocks noGrp="1"/>
-          </p:cNvSpPr>
-          <p:nvPr>
-            <p:ph idx="1"/>
-          </p:nvPr>
-        </p:nvSpPr>
-        <p:spPr/>
-        <p:txBody>
-          <a:bodyPr/>
-          <a:lstStyle/>
-          <a:p>
-            <a:pPr algn="l" fontAlgn="base"/>
-            <a:r>
-              <a:rPr lang="ru-RU" b="0" dirty="0">
-                <a:solidFill>
-                  <a:srgbClr val="444444"/>
-                </a:solidFill>
-                <a:effectLst/>
-                <a:latin typeface="PTSerif"/>
-              </a:rPr>
-              <a:t>Прости нас, Отец наш, ибо мы грешили, помилуй нас, Царь наш, ибо мы совершали проступки. Ибо Ты милуешь и прощаешь. Благословен Ты, Господь, великий в милосердии и прощении!</a:t>
-            </a:r>
-          </a:p>
-          <a:p>
-            <a:pPr algn="l" fontAlgn="base"/>
-            <a:r>
-              <a:rPr lang="ru-RU" b="0" dirty="0">
-                <a:solidFill>
-                  <a:srgbClr val="444444"/>
-                </a:solidFill>
-                <a:effectLst/>
-                <a:latin typeface="PTSerif"/>
-              </a:rPr>
-              <a:t>Взгляни на бедствия наши и веди битву нашу, и избавь нас в скором времени ради Имени Твоего, ибо Ты могущественный избавитель. Благословен Ты, Господь, Избавитель Израиля!</a:t>
-            </a:r>
-          </a:p>
-          <a:p>
-            <a:r>
-              <a:rPr lang="ru-RU" b="0" i="0" dirty="0">
-                <a:solidFill>
-                  <a:srgbClr val="444444"/>
-                </a:solidFill>
-                <a:effectLst/>
-                <a:latin typeface="PTSerif"/>
-              </a:rPr>
-              <a:t>Исцеляй нас, Господь, и мы исцелимся, спасай нас, и спасемся, ибо Ты — наша хвала. И принеси полное исцеление нашим ранам, ибо Ты, Бог, Царь, — целитель верный и милосердный. Благословен Ты, Господь, исцеляющий больных народа Твоего, Израиля!</a:t>
-            </a:r>
-            <a:endParaRPr lang="en-IL" dirty="0"/>
-          </a:p>
-        </p:txBody>
-      </p:sp>
-    </p:spTree>
-    <p:extLst>
-      <p:ext uri="{BB962C8B-B14F-4D97-AF65-F5344CB8AC3E}">
-        <p14:creationId xmlns:p14="http://schemas.microsoft.com/office/powerpoint/2010/main" val="2519349078"/>
-      </p:ext>
-    </p:extLst>
-  </p:cSld>
-  <p:clrMapOvr>
-    <a:masterClrMapping/>
-  </p:clrMapOvr>
-  <mc:AlternateContent xmlns:mc="http://schemas.openxmlformats.org/markup-compatibility/2006" xmlns:p14="http://schemas.microsoft.com/office/powerpoint/2010/main">
-    <mc:Choice Requires="p14">
-      <p:transition spd="med" p14:dur="700">
-        <p:fade/>
-      </p:transition>
-    </mc:Choice>
-    <mc:Fallback xmlns="">
-      <p:transition spd="med">
-        <p:fade/>
-      </p:transition>
-    </mc:Fallback>
-  </mc:AlternateContent>
-</p:sld>
-</file>
-
 <file path=ppt/slides/slide8.xml><?xml version="1.0" encoding="utf-8"?>
 <p:sld xmlns:a="http://schemas.openxmlformats.org/drawingml/2006/main" xmlns:r="http://schemas.openxmlformats.org/officeDocument/2006/relationships" xmlns:p="http://schemas.openxmlformats.org/presentationml/2006/main">
   <p:cSld>
@@ -6415,7 +6965,7 @@
           <a:p>
             <a:r>
               <a:rPr lang="ru-RU" dirty="0"/>
-              <a:t>Благодарственное Жертва</a:t>
+              <a:t>Человек?</a:t>
             </a:r>
             <a:endParaRPr lang="en-IL" dirty="0"/>
           </a:p>
@@ -6444,71 +6994,18 @@
           <a:p>
             <a:pPr algn="l" fontAlgn="base"/>
             <a:r>
-              <a:rPr lang="ru-RU" dirty="0">
+              <a:rPr lang="ru-RU" b="0" dirty="0">
                 <a:solidFill>
                   <a:srgbClr val="444444"/>
                 </a:solidFill>
+                <a:effectLst/>
                 <a:latin typeface="PTSerif"/>
               </a:rPr>
-              <a:t>Четверо приносят жертву благодарности</a:t>
-            </a:r>
-          </a:p>
-          <a:p>
-            <a:pPr lvl="1" fontAlgn="base"/>
-            <a:r>
-              <a:rPr lang="ru-RU" dirty="0">
-                <a:solidFill>
-                  <a:srgbClr val="444444"/>
-                </a:solidFill>
-                <a:latin typeface="PTSerif"/>
-              </a:rPr>
-              <a:t>Пересекающие пустыню</a:t>
-            </a:r>
-          </a:p>
-          <a:p>
-            <a:pPr lvl="1" fontAlgn="base"/>
-            <a:r>
-              <a:rPr lang="ru-RU" dirty="0">
-                <a:solidFill>
-                  <a:srgbClr val="444444"/>
-                </a:solidFill>
-                <a:latin typeface="PTSerif"/>
-              </a:rPr>
-              <a:t>Переходящие через море</a:t>
-            </a:r>
-          </a:p>
-          <a:p>
-            <a:pPr lvl="1" fontAlgn="base"/>
-            <a:r>
-              <a:rPr lang="ru-RU" dirty="0">
-                <a:solidFill>
-                  <a:srgbClr val="444444"/>
-                </a:solidFill>
-                <a:latin typeface="PTSerif"/>
-              </a:rPr>
-              <a:t>Освобожденные из тюрьмы</a:t>
-            </a:r>
-          </a:p>
-          <a:p>
-            <a:pPr lvl="1" fontAlgn="base"/>
-            <a:r>
-              <a:rPr lang="ru-RU" dirty="0">
-                <a:solidFill>
-                  <a:srgbClr val="444444"/>
-                </a:solidFill>
-                <a:latin typeface="PTSerif"/>
-              </a:rPr>
-              <a:t>Больные которые </a:t>
-            </a:r>
-            <a:r>
-              <a:rPr lang="ru-RU" dirty="0" err="1">
-                <a:solidFill>
-                  <a:srgbClr val="444444"/>
-                </a:solidFill>
-                <a:latin typeface="PTSerif"/>
-              </a:rPr>
-              <a:t>выздровили</a:t>
-            </a:r>
+              <a:t>Народы мира: человек разумный</a:t>
+            </a:r>
+          </a:p>
+          <a:p>
+            <a:pPr algn="l" fontAlgn="base"/>
             <a:endParaRPr lang="ru-RU" dirty="0">
               <a:solidFill>
                 <a:srgbClr val="444444"/>
@@ -6517,15 +7014,6 @@
             </a:endParaRPr>
           </a:p>
           <a:p>
-            <a:pPr lvl="1" fontAlgn="base"/>
-            <a:endParaRPr lang="ru-RU" dirty="0">
-              <a:solidFill>
-                <a:srgbClr val="444444"/>
-              </a:solidFill>
-              <a:latin typeface="PTSerif"/>
-            </a:endParaRPr>
-          </a:p>
-          <a:p>
             <a:pPr algn="l" fontAlgn="base"/>
             <a:r>
               <a:rPr lang="ru-RU" dirty="0">
@@ -6534,54 +7022,16 @@
                 </a:solidFill>
                 <a:latin typeface="PTSerif"/>
               </a:rPr>
-              <a:t>Все </a:t>
-            </a:r>
-            <a:r>
-              <a:rPr lang="ru-RU" dirty="0" err="1">
-                <a:solidFill>
-                  <a:srgbClr val="444444"/>
-                </a:solidFill>
-                <a:latin typeface="PTSerif"/>
-              </a:rPr>
-              <a:t>Шламим</a:t>
-            </a:r>
-            <a:r>
-              <a:rPr lang="ru-RU" dirty="0">
-                <a:solidFill>
-                  <a:srgbClr val="444444"/>
-                </a:solidFill>
-                <a:latin typeface="PTSerif"/>
-              </a:rPr>
-              <a:t> – едят два дня</a:t>
-            </a:r>
-          </a:p>
-          <a:p>
-            <a:pPr algn="l" fontAlgn="base"/>
-            <a:r>
-              <a:rPr lang="ru-RU" dirty="0" err="1">
-                <a:solidFill>
-                  <a:srgbClr val="444444"/>
-                </a:solidFill>
-                <a:latin typeface="PTSerif"/>
-              </a:rPr>
-              <a:t>Тодот</a:t>
-            </a:r>
-            <a:r>
-              <a:rPr lang="ru-RU" dirty="0">
-                <a:solidFill>
-                  <a:srgbClr val="444444"/>
-                </a:solidFill>
-                <a:latin typeface="PTSerif"/>
-              </a:rPr>
-              <a:t> – один день, и еще надо 40 хлебов</a:t>
-            </a:r>
+              <a:t>Евреи: человек разговаривающий</a:t>
+            </a:r>
+            <a:endParaRPr lang="en-IL" dirty="0"/>
           </a:p>
         </p:txBody>
       </p:sp>
     </p:spTree>
     <p:extLst>
       <p:ext uri="{BB962C8B-B14F-4D97-AF65-F5344CB8AC3E}">
-        <p14:creationId xmlns:p14="http://schemas.microsoft.com/office/powerpoint/2010/main" val="3190927457"/>
+        <p14:creationId xmlns:p14="http://schemas.microsoft.com/office/powerpoint/2010/main" val="1375781891"/>
       </p:ext>
     </p:extLst>
   </p:cSld>
@@ -6643,7 +7093,7 @@
           <a:p>
             <a:r>
               <a:rPr lang="ru-RU" dirty="0"/>
-              <a:t>Благодарственное Жертва</a:t>
+              <a:t>Восхваление Всевышнего</a:t>
             </a:r>
             <a:endParaRPr lang="en-IL" dirty="0"/>
           </a:p>
@@ -6670,143 +7120,50 @@
           <a:bodyPr/>
           <a:lstStyle/>
           <a:p>
-            <a:pPr fontAlgn="base"/>
-            <a:r>
-              <a:rPr lang="ru-RU" dirty="0">
+            <a:pPr algn="l" fontAlgn="base"/>
+            <a:r>
+              <a:rPr lang="ru-RU" b="0" dirty="0">
                 <a:solidFill>
                   <a:srgbClr val="444444"/>
                 </a:solidFill>
+                <a:effectLst/>
                 <a:latin typeface="PTSerif"/>
               </a:rPr>
-              <a:t>Все это было при выходе из Египта</a:t>
-            </a:r>
-          </a:p>
-          <a:p>
-            <a:pPr fontAlgn="base"/>
-            <a:r>
-              <a:rPr lang="ru-RU" dirty="0">
+              <a:t>Прости нас, Отец наш, ибо мы грешили, помилуй нас, Царь наш, ибо мы совершали проступки. Ибо Ты милуешь и прощаешь. Благословен Ты, Господь, великий в милосердии и прощении!</a:t>
+            </a:r>
+          </a:p>
+          <a:p>
+            <a:pPr algn="l" fontAlgn="base"/>
+            <a:r>
+              <a:rPr lang="ru-RU" b="0" dirty="0">
                 <a:solidFill>
                   <a:srgbClr val="444444"/>
                 </a:solidFill>
+                <a:effectLst/>
                 <a:latin typeface="PTSerif"/>
               </a:rPr>
-              <a:t>Поэтому рассказ о Выходе – это основная заповедь в этот день</a:t>
-            </a:r>
-          </a:p>
-          <a:p>
-            <a:pPr lvl="1" fontAlgn="base"/>
-            <a:r>
-              <a:rPr lang="ru-RU" dirty="0">
+              <a:t>Взгляни на бедствия наши и веди битву нашу, и избавь нас в скором времени ради Имени Твоего, ибо Ты могущественный избавитель. Благословен Ты, Господь, Избавитель Израиля!</a:t>
+            </a:r>
+          </a:p>
+          <a:p>
+            <a:r>
+              <a:rPr lang="ru-RU" b="0" i="0" dirty="0">
                 <a:solidFill>
                   <a:srgbClr val="444444"/>
                 </a:solidFill>
+                <a:effectLst/>
                 <a:latin typeface="PTSerif"/>
               </a:rPr>
-              <a:t>Рассказ а не просто упоминание</a:t>
-            </a:r>
-          </a:p>
-          <a:p>
-            <a:pPr fontAlgn="base"/>
-            <a:r>
-              <a:rPr lang="ru-RU" dirty="0">
-                <a:solidFill>
-                  <a:srgbClr val="444444"/>
-                </a:solidFill>
-                <a:latin typeface="PTSerif"/>
-              </a:rPr>
-              <a:t>Поэтому </a:t>
-            </a:r>
-            <a:r>
-              <a:rPr lang="ru-RU" dirty="0" err="1">
-                <a:solidFill>
-                  <a:srgbClr val="444444"/>
-                </a:solidFill>
-                <a:latin typeface="PTSerif"/>
-              </a:rPr>
-              <a:t>Хагада</a:t>
-            </a:r>
-            <a:r>
-              <a:rPr lang="ru-RU" dirty="0">
-                <a:solidFill>
-                  <a:srgbClr val="444444"/>
-                </a:solidFill>
-                <a:latin typeface="PTSerif"/>
-              </a:rPr>
-              <a:t> состоит из стихов </a:t>
-            </a:r>
-            <a:r>
-              <a:rPr lang="ru-RU" dirty="0" err="1">
-                <a:solidFill>
-                  <a:srgbClr val="444444"/>
-                </a:solidFill>
-                <a:latin typeface="PTSerif"/>
-              </a:rPr>
-              <a:t>Бикурим</a:t>
-            </a:r>
-            <a:endParaRPr lang="ru-RU" dirty="0">
-              <a:solidFill>
-                <a:srgbClr val="444444"/>
-              </a:solidFill>
-              <a:latin typeface="PTSerif"/>
-            </a:endParaRPr>
-          </a:p>
-          <a:p>
-            <a:pPr lvl="1" fontAlgn="base"/>
-            <a:r>
-              <a:rPr lang="ru-RU" dirty="0">
-                <a:solidFill>
-                  <a:srgbClr val="444444"/>
-                </a:solidFill>
-                <a:latin typeface="PTSerif"/>
-              </a:rPr>
-              <a:t>Почему не </a:t>
-            </a:r>
-            <a:r>
-              <a:rPr lang="ru-RU" dirty="0" err="1">
-                <a:solidFill>
-                  <a:srgbClr val="444444"/>
-                </a:solidFill>
-                <a:latin typeface="PTSerif"/>
-              </a:rPr>
-              <a:t>Шмот</a:t>
-            </a:r>
-            <a:r>
-              <a:rPr lang="ru-RU" dirty="0">
-                <a:solidFill>
-                  <a:srgbClr val="444444"/>
-                </a:solidFill>
-                <a:latin typeface="PTSerif"/>
-              </a:rPr>
-              <a:t>?</a:t>
-            </a:r>
-          </a:p>
-          <a:p>
-            <a:pPr fontAlgn="base"/>
-            <a:r>
-              <a:rPr lang="ru-RU" dirty="0">
-                <a:solidFill>
-                  <a:srgbClr val="444444"/>
-                </a:solidFill>
-                <a:latin typeface="PTSerif"/>
-              </a:rPr>
-              <a:t>Весь Песах: видеть как будто мы уже выходим из Египта (личного)</a:t>
-            </a:r>
-          </a:p>
-          <a:p>
-            <a:pPr fontAlgn="base"/>
-            <a:endParaRPr lang="ru-RU" dirty="0">
-              <a:solidFill>
-                <a:srgbClr val="444444"/>
-              </a:solidFill>
-              <a:latin typeface="PTSerif"/>
-            </a:endParaRPr>
+              <a:t>Исцеляй нас, Господь, и мы исцелимся, спасай нас, и спасемся, ибо Ты — наша хвала. И принеси полное исцеление нашим ранам, ибо Ты, Бог, Царь, — целитель верный и милосердный. Благословен Ты, Господь, исцеляющий больных народа Твоего, Израиля!</a:t>
+            </a:r>
+            <a:endParaRPr lang="en-IL" dirty="0"/>
           </a:p>
         </p:txBody>
       </p:sp>
     </p:spTree>
     <p:extLst>
       <p:ext uri="{BB962C8B-B14F-4D97-AF65-F5344CB8AC3E}">
-        <p14:creationId xmlns:p14="http://schemas.microsoft.com/office/powerpoint/2010/main" val="3211631588"/>
+        <p14:creationId xmlns:p14="http://schemas.microsoft.com/office/powerpoint/2010/main" val="2519349078"/>
       </p:ext>
     </p:extLst>
   </p:cSld>
